--- a/PPT/JS/07JavaScript数组.pptx
+++ b/PPT/JS/07JavaScript数组.pptx
@@ -18845,7 +18845,9 @@
             </a:r>
             <a:endParaRPr sz="2000"/>
           </a:p>
-          <a:p/>
+          <a:p>
+            <a:endParaRPr sz="2000"/>
+          </a:p>
           <a:p>
             <a:r>
               <a:t>	</a:t>
@@ -20880,7 +20882,9 @@
             </a:r>
             <a:endParaRPr sz="2000"/>
           </a:p>
-          <a:p/>
+          <a:p>
+            <a:endParaRPr sz="2000"/>
+          </a:p>
           <a:p>
             <a:r>
               <a:rPr sz="1600"/>
@@ -40121,7 +40125,7 @@
         </p:nvSpPr>
         <p:spPr>
           <a:xfrm>
-            <a:off x="1233170" y="847725"/>
+            <a:off x="1233170" y="873125"/>
             <a:ext cx="6678295" cy="2922905"/>
           </a:xfrm>
           <a:prstGeom prst="rect">
